--- a/実験実習/1年/C言語/ascii/新規 Microsoft PowerPoint プレゼンテーション.pptx
+++ b/実験実習/1年/C言語/ascii/新規 Microsoft PowerPoint プレゼンテーション.pptx
@@ -259,7 +259,7 @@
           <a:p>
             <a:fld id="{B7371FF2-5C5F-49D2-BE03-D02D1D518DE4}" type="datetimeFigureOut">
               <a:rPr kumimoji="1" lang="ja-JP" altLang="en-US" smtClean="0"/>
-              <a:t>2023/1/18</a:t>
+              <a:t>2023/1/23</a:t>
             </a:fld>
             <a:endParaRPr kumimoji="1" lang="ja-JP" altLang="en-US"/>
           </a:p>
@@ -489,7 +489,7 @@
           <a:p>
             <a:fld id="{B7371FF2-5C5F-49D2-BE03-D02D1D518DE4}" type="datetimeFigureOut">
               <a:rPr kumimoji="1" lang="ja-JP" altLang="en-US" smtClean="0"/>
-              <a:t>2023/1/18</a:t>
+              <a:t>2023/1/23</a:t>
             </a:fld>
             <a:endParaRPr kumimoji="1" lang="ja-JP" altLang="en-US"/>
           </a:p>
@@ -729,7 +729,7 @@
           <a:p>
             <a:fld id="{B7371FF2-5C5F-49D2-BE03-D02D1D518DE4}" type="datetimeFigureOut">
               <a:rPr kumimoji="1" lang="ja-JP" altLang="en-US" smtClean="0"/>
-              <a:t>2023/1/18</a:t>
+              <a:t>2023/1/23</a:t>
             </a:fld>
             <a:endParaRPr kumimoji="1" lang="ja-JP" altLang="en-US"/>
           </a:p>
@@ -959,7 +959,7 @@
           <a:p>
             <a:fld id="{B7371FF2-5C5F-49D2-BE03-D02D1D518DE4}" type="datetimeFigureOut">
               <a:rPr kumimoji="1" lang="ja-JP" altLang="en-US" smtClean="0"/>
-              <a:t>2023/1/18</a:t>
+              <a:t>2023/1/23</a:t>
             </a:fld>
             <a:endParaRPr kumimoji="1" lang="ja-JP" altLang="en-US"/>
           </a:p>
@@ -1234,7 +1234,7 @@
           <a:p>
             <a:fld id="{B7371FF2-5C5F-49D2-BE03-D02D1D518DE4}" type="datetimeFigureOut">
               <a:rPr kumimoji="1" lang="ja-JP" altLang="en-US" smtClean="0"/>
-              <a:t>2023/1/18</a:t>
+              <a:t>2023/1/23</a:t>
             </a:fld>
             <a:endParaRPr kumimoji="1" lang="ja-JP" altLang="en-US"/>
           </a:p>
@@ -1563,7 +1563,7 @@
           <a:p>
             <a:fld id="{B7371FF2-5C5F-49D2-BE03-D02D1D518DE4}" type="datetimeFigureOut">
               <a:rPr kumimoji="1" lang="ja-JP" altLang="en-US" smtClean="0"/>
-              <a:t>2023/1/18</a:t>
+              <a:t>2023/1/23</a:t>
             </a:fld>
             <a:endParaRPr kumimoji="1" lang="ja-JP" altLang="en-US"/>
           </a:p>
@@ -2039,7 +2039,7 @@
           <a:p>
             <a:fld id="{B7371FF2-5C5F-49D2-BE03-D02D1D518DE4}" type="datetimeFigureOut">
               <a:rPr kumimoji="1" lang="ja-JP" altLang="en-US" smtClean="0"/>
-              <a:t>2023/1/18</a:t>
+              <a:t>2023/1/23</a:t>
             </a:fld>
             <a:endParaRPr kumimoji="1" lang="ja-JP" altLang="en-US"/>
           </a:p>
@@ -2180,7 +2180,7 @@
           <a:p>
             <a:fld id="{B7371FF2-5C5F-49D2-BE03-D02D1D518DE4}" type="datetimeFigureOut">
               <a:rPr kumimoji="1" lang="ja-JP" altLang="en-US" smtClean="0"/>
-              <a:t>2023/1/18</a:t>
+              <a:t>2023/1/23</a:t>
             </a:fld>
             <a:endParaRPr kumimoji="1" lang="ja-JP" altLang="en-US"/>
           </a:p>
@@ -2293,7 +2293,7 @@
           <a:p>
             <a:fld id="{B7371FF2-5C5F-49D2-BE03-D02D1D518DE4}" type="datetimeFigureOut">
               <a:rPr kumimoji="1" lang="ja-JP" altLang="en-US" smtClean="0"/>
-              <a:t>2023/1/18</a:t>
+              <a:t>2023/1/23</a:t>
             </a:fld>
             <a:endParaRPr kumimoji="1" lang="ja-JP" altLang="en-US"/>
           </a:p>
@@ -2636,7 +2636,7 @@
           <a:p>
             <a:fld id="{B7371FF2-5C5F-49D2-BE03-D02D1D518DE4}" type="datetimeFigureOut">
               <a:rPr kumimoji="1" lang="ja-JP" altLang="en-US" smtClean="0"/>
-              <a:t>2023/1/18</a:t>
+              <a:t>2023/1/23</a:t>
             </a:fld>
             <a:endParaRPr kumimoji="1" lang="ja-JP" altLang="en-US"/>
           </a:p>
@@ -2924,7 +2924,7 @@
           <a:p>
             <a:fld id="{B7371FF2-5C5F-49D2-BE03-D02D1D518DE4}" type="datetimeFigureOut">
               <a:rPr kumimoji="1" lang="ja-JP" altLang="en-US" smtClean="0"/>
-              <a:t>2023/1/18</a:t>
+              <a:t>2023/1/23</a:t>
             </a:fld>
             <a:endParaRPr kumimoji="1" lang="ja-JP" altLang="en-US"/>
           </a:p>
@@ -3197,7 +3197,7 @@
           <a:p>
             <a:fld id="{B7371FF2-5C5F-49D2-BE03-D02D1D518DE4}" type="datetimeFigureOut">
               <a:rPr kumimoji="1" lang="ja-JP" altLang="en-US" smtClean="0"/>
-              <a:t>2023/1/18</a:t>
+              <a:t>2023/1/23</a:t>
             </a:fld>
             <a:endParaRPr kumimoji="1" lang="ja-JP" altLang="en-US"/>
           </a:p>
@@ -3729,10 +3729,6 @@
               <a:rPr lang="en-US" altLang="ja-JP" sz="1100" dirty="0" err="1"/>
               <a:t>charCnt</a:t>
             </a:r>
-            <a:r>
-              <a:rPr lang="en-US" altLang="ja-JP" sz="1100" dirty="0"/>
-              <a:t> = 0</a:t>
-            </a:r>
             <a:endParaRPr kumimoji="1" lang="ja-JP" altLang="en-US" sz="1100" dirty="0"/>
           </a:p>
         </p:txBody>
@@ -3907,14 +3903,6 @@
               <a:t>aChar</a:t>
             </a:r>
             <a:r>
-              <a:rPr lang="en-US" altLang="ja-JP" sz="1200" dirty="0"/>
-              <a:t>, </a:t>
-            </a:r>
-            <a:r>
-              <a:rPr lang="en-US" altLang="ja-JP" sz="1200" dirty="0" err="1"/>
-              <a:t>i</a:t>
-            </a:r>
-            <a:r>
               <a:rPr lang="ja-JP" altLang="en-US" sz="1200" dirty="0"/>
               <a:t> </a:t>
             </a:r>
@@ -4210,18 +4198,6 @@
               <a:t>++</a:t>
             </a:r>
           </a:p>
-          <a:p>
-            <a:pPr algn="ctr"/>
-            <a:r>
-              <a:rPr lang="en-US" altLang="ja-JP" sz="1400" dirty="0" err="1"/>
-              <a:t>i</a:t>
-            </a:r>
-            <a:r>
-              <a:rPr lang="en-US" altLang="ja-JP" sz="1400" dirty="0"/>
-              <a:t>++</a:t>
-            </a:r>
-            <a:endParaRPr kumimoji="1" lang="ja-JP" altLang="en-US" sz="1400" dirty="0"/>
-          </a:p>
         </p:txBody>
       </p:sp>
       <p:sp>
@@ -4593,7 +4569,7 @@
         </p:nvSpPr>
         <p:spPr>
           <a:xfrm>
-            <a:off x="5267149" y="3501509"/>
+            <a:off x="5267150" y="4516081"/>
             <a:ext cx="1688453" cy="668517"/>
           </a:xfrm>
           <a:prstGeom prst="flowChartPreparation">
@@ -4817,7 +4793,7 @@
         </p:nvSpPr>
         <p:spPr>
           <a:xfrm>
-            <a:off x="7630276" y="3501508"/>
+            <a:off x="7661030" y="3501508"/>
             <a:ext cx="1688453" cy="668517"/>
           </a:xfrm>
           <a:prstGeom prst="flowChartDisplay">
@@ -4870,6 +4846,523 @@
               <a:t>]</a:t>
             </a:r>
             <a:endParaRPr kumimoji="1" lang="ja-JP" altLang="en-US" sz="1100" dirty="0"/>
+          </a:p>
+        </p:txBody>
+      </p:sp>
+      <p:sp>
+        <p:nvSpPr>
+          <p:cNvPr id="6" name="フローチャート: 表示 5">
+            <a:extLst>
+              <a:ext uri="{FF2B5EF4-FFF2-40B4-BE49-F238E27FC236}">
+                <a16:creationId xmlns:a16="http://schemas.microsoft.com/office/drawing/2014/main" id="{31DACCB9-6209-5C6D-2603-376DA37B313E}"/>
+              </a:ext>
+            </a:extLst>
+          </p:cNvPr>
+          <p:cNvSpPr/>
+          <p:nvPr/>
+        </p:nvSpPr>
+        <p:spPr>
+          <a:xfrm>
+            <a:off x="7661030" y="4526527"/>
+            <a:ext cx="1688453" cy="668517"/>
+          </a:xfrm>
+          <a:prstGeom prst="flowChartDisplay">
+            <a:avLst/>
+          </a:prstGeom>
+          <a:noFill/>
+          <a:ln w="9525" cap="flat" cmpd="sng" algn="ctr">
+            <a:solidFill>
+              <a:schemeClr val="dk1"/>
+            </a:solidFill>
+            <a:prstDash val="solid"/>
+            <a:round/>
+            <a:headEnd type="none" w="med" len="med"/>
+            <a:tailEnd type="none" w="med" len="med"/>
+          </a:ln>
+        </p:spPr>
+        <p:style>
+          <a:lnRef idx="0">
+            <a:scrgbClr r="0" g="0" b="0"/>
+          </a:lnRef>
+          <a:fillRef idx="0">
+            <a:scrgbClr r="0" g="0" b="0"/>
+          </a:fillRef>
+          <a:effectRef idx="0">
+            <a:scrgbClr r="0" g="0" b="0"/>
+          </a:effectRef>
+          <a:fontRef idx="minor">
+            <a:schemeClr val="dk1"/>
+          </a:fontRef>
+        </p:style>
+        <p:txBody>
+          <a:bodyPr rtlCol="0" anchor="ctr"/>
+          <a:lstStyle/>
+          <a:p>
+            <a:pPr algn="ctr"/>
+            <a:r>
+              <a:rPr kumimoji="1" lang="en-US" altLang="ja-JP" sz="1000" dirty="0"/>
+              <a:t>\n\n</a:t>
+            </a:r>
+            <a:endParaRPr kumimoji="1" lang="ja-JP" altLang="en-US" sz="1000" dirty="0"/>
+          </a:p>
+        </p:txBody>
+      </p:sp>
+      <p:sp>
+        <p:nvSpPr>
+          <p:cNvPr id="13" name="フローチャート: 表示 12">
+            <a:extLst>
+              <a:ext uri="{FF2B5EF4-FFF2-40B4-BE49-F238E27FC236}">
+                <a16:creationId xmlns:a16="http://schemas.microsoft.com/office/drawing/2014/main" id="{C3BAC62B-C46A-4E03-7174-3F9FED33E3E6}"/>
+              </a:ext>
+            </a:extLst>
+          </p:cNvPr>
+          <p:cNvSpPr/>
+          <p:nvPr/>
+        </p:nvSpPr>
+        <p:spPr>
+          <a:xfrm>
+            <a:off x="7665223" y="5551546"/>
+            <a:ext cx="1688453" cy="668517"/>
+          </a:xfrm>
+          <a:prstGeom prst="flowChartDisplay">
+            <a:avLst/>
+          </a:prstGeom>
+          <a:noFill/>
+          <a:ln w="9525" cap="flat" cmpd="sng" algn="ctr">
+            <a:solidFill>
+              <a:schemeClr val="dk1"/>
+            </a:solidFill>
+            <a:prstDash val="solid"/>
+            <a:round/>
+            <a:headEnd type="none" w="med" len="med"/>
+            <a:tailEnd type="none" w="med" len="med"/>
+          </a:ln>
+        </p:spPr>
+        <p:style>
+          <a:lnRef idx="0">
+            <a:scrgbClr r="0" g="0" b="0"/>
+          </a:lnRef>
+          <a:fillRef idx="0">
+            <a:scrgbClr r="0" g="0" b="0"/>
+          </a:fillRef>
+          <a:effectRef idx="0">
+            <a:scrgbClr r="0" g="0" b="0"/>
+          </a:effectRef>
+          <a:fontRef idx="minor">
+            <a:schemeClr val="dk1"/>
+          </a:fontRef>
+        </p:style>
+        <p:txBody>
+          <a:bodyPr rtlCol="0" anchor="ctr"/>
+          <a:lstStyle/>
+          <a:p>
+            <a:pPr algn="ctr"/>
+            <a:r>
+              <a:rPr kumimoji="1" lang="ja-JP" altLang="en-US" sz="1100" dirty="0"/>
+              <a:t>あなたの名前を</a:t>
+            </a:r>
+            <a:r>
+              <a:rPr lang="en-US" altLang="ja-JP" sz="1100" dirty="0"/>
+              <a:t>10</a:t>
+            </a:r>
+            <a:r>
+              <a:rPr lang="ja-JP" altLang="en-US" sz="1100" dirty="0"/>
+              <a:t>進数</a:t>
+            </a:r>
+            <a:r>
+              <a:rPr kumimoji="1" lang="ja-JP" altLang="en-US" sz="1100" dirty="0"/>
+              <a:t>で表現すると</a:t>
+            </a:r>
+          </a:p>
+        </p:txBody>
+      </p:sp>
+      <p:sp>
+        <p:nvSpPr>
+          <p:cNvPr id="28" name="フローチャート: 表示 27">
+            <a:extLst>
+              <a:ext uri="{FF2B5EF4-FFF2-40B4-BE49-F238E27FC236}">
+                <a16:creationId xmlns:a16="http://schemas.microsoft.com/office/drawing/2014/main" id="{3FC3CC8B-3C50-C5E5-AE51-D42BF8600D22}"/>
+              </a:ext>
+            </a:extLst>
+          </p:cNvPr>
+          <p:cNvSpPr/>
+          <p:nvPr/>
+        </p:nvSpPr>
+        <p:spPr>
+          <a:xfrm>
+            <a:off x="9872420" y="5184598"/>
+            <a:ext cx="1688453" cy="668517"/>
+          </a:xfrm>
+          <a:prstGeom prst="flowChartDisplay">
+            <a:avLst/>
+          </a:prstGeom>
+          <a:noFill/>
+          <a:ln w="9525" cap="flat" cmpd="sng" algn="ctr">
+            <a:solidFill>
+              <a:schemeClr val="dk1"/>
+            </a:solidFill>
+            <a:prstDash val="solid"/>
+            <a:round/>
+            <a:headEnd type="none" w="med" len="med"/>
+            <a:tailEnd type="none" w="med" len="med"/>
+          </a:ln>
+        </p:spPr>
+        <p:style>
+          <a:lnRef idx="0">
+            <a:scrgbClr r="0" g="0" b="0"/>
+          </a:lnRef>
+          <a:fillRef idx="0">
+            <a:scrgbClr r="0" g="0" b="0"/>
+          </a:fillRef>
+          <a:effectRef idx="0">
+            <a:scrgbClr r="0" g="0" b="0"/>
+          </a:effectRef>
+          <a:fontRef idx="minor">
+            <a:schemeClr val="dk1"/>
+          </a:fontRef>
+        </p:style>
+        <p:txBody>
+          <a:bodyPr rtlCol="0" anchor="ctr"/>
+          <a:lstStyle/>
+          <a:p>
+            <a:pPr algn="ctr"/>
+            <a:r>
+              <a:rPr kumimoji="1" lang="ja-JP" altLang="en-US" sz="1100" dirty="0"/>
+              <a:t>あなたの名前を</a:t>
+            </a:r>
+            <a:r>
+              <a:rPr lang="en-US" altLang="ja-JP" sz="1100" dirty="0"/>
+              <a:t>16</a:t>
+            </a:r>
+            <a:r>
+              <a:rPr lang="ja-JP" altLang="en-US" sz="1100" dirty="0"/>
+              <a:t>進数</a:t>
+            </a:r>
+            <a:r>
+              <a:rPr kumimoji="1" lang="ja-JP" altLang="en-US" sz="1100" dirty="0"/>
+              <a:t>で表現すると</a:t>
+            </a:r>
+          </a:p>
+        </p:txBody>
+      </p:sp>
+      <p:sp>
+        <p:nvSpPr>
+          <p:cNvPr id="30" name="フローチャート: 表示 29">
+            <a:extLst>
+              <a:ext uri="{FF2B5EF4-FFF2-40B4-BE49-F238E27FC236}">
+                <a16:creationId xmlns:a16="http://schemas.microsoft.com/office/drawing/2014/main" id="{C76C0E47-59F6-E732-4DB3-59B35C0BF0B5}"/>
+              </a:ext>
+            </a:extLst>
+          </p:cNvPr>
+          <p:cNvSpPr/>
+          <p:nvPr/>
+        </p:nvSpPr>
+        <p:spPr>
+          <a:xfrm>
+            <a:off x="9872419" y="3371034"/>
+            <a:ext cx="1688453" cy="668517"/>
+          </a:xfrm>
+          <a:prstGeom prst="flowChartDisplay">
+            <a:avLst/>
+          </a:prstGeom>
+          <a:noFill/>
+          <a:ln w="9525" cap="flat" cmpd="sng" algn="ctr">
+            <a:solidFill>
+              <a:schemeClr val="dk1"/>
+            </a:solidFill>
+            <a:prstDash val="solid"/>
+            <a:round/>
+            <a:headEnd type="none" w="med" len="med"/>
+            <a:tailEnd type="none" w="med" len="med"/>
+          </a:ln>
+        </p:spPr>
+        <p:style>
+          <a:lnRef idx="0">
+            <a:scrgbClr r="0" g="0" b="0"/>
+          </a:lnRef>
+          <a:fillRef idx="0">
+            <a:scrgbClr r="0" g="0" b="0"/>
+          </a:fillRef>
+          <a:effectRef idx="0">
+            <a:scrgbClr r="0" g="0" b="0"/>
+          </a:effectRef>
+          <a:fontRef idx="minor">
+            <a:schemeClr val="dk1"/>
+          </a:fontRef>
+        </p:style>
+        <p:txBody>
+          <a:bodyPr rtlCol="0" anchor="ctr"/>
+          <a:lstStyle/>
+          <a:p>
+            <a:pPr algn="ctr"/>
+            <a:r>
+              <a:rPr lang="en-US" altLang="ja-JP" sz="1100" dirty="0"/>
+              <a:t>n</a:t>
+            </a:r>
+            <a:r>
+              <a:rPr kumimoji="1" lang="en-US" altLang="ja-JP" sz="1100" dirty="0"/>
+              <a:t>ame[</a:t>
+            </a:r>
+            <a:r>
+              <a:rPr kumimoji="1" lang="en-US" altLang="ja-JP" sz="1100" dirty="0" err="1"/>
+              <a:t>i</a:t>
+            </a:r>
+            <a:r>
+              <a:rPr kumimoji="1" lang="en-US" altLang="ja-JP" sz="1100" dirty="0"/>
+              <a:t>]</a:t>
+            </a:r>
+            <a:endParaRPr kumimoji="1" lang="ja-JP" altLang="en-US" sz="1100" dirty="0"/>
+          </a:p>
+        </p:txBody>
+      </p:sp>
+      <p:sp>
+        <p:nvSpPr>
+          <p:cNvPr id="32" name="フローチャート: 表示 31">
+            <a:extLst>
+              <a:ext uri="{FF2B5EF4-FFF2-40B4-BE49-F238E27FC236}">
+                <a16:creationId xmlns:a16="http://schemas.microsoft.com/office/drawing/2014/main" id="{5E63AD1C-875E-4E2B-4A32-6EF89F791532}"/>
+              </a:ext>
+            </a:extLst>
+          </p:cNvPr>
+          <p:cNvSpPr/>
+          <p:nvPr/>
+        </p:nvSpPr>
+        <p:spPr>
+          <a:xfrm>
+            <a:off x="9819633" y="4170025"/>
+            <a:ext cx="1688453" cy="668517"/>
+          </a:xfrm>
+          <a:prstGeom prst="flowChartDisplay">
+            <a:avLst/>
+          </a:prstGeom>
+          <a:noFill/>
+          <a:ln w="9525" cap="flat" cmpd="sng" algn="ctr">
+            <a:solidFill>
+              <a:schemeClr val="dk1"/>
+            </a:solidFill>
+            <a:prstDash val="solid"/>
+            <a:round/>
+            <a:headEnd type="none" w="med" len="med"/>
+            <a:tailEnd type="none" w="med" len="med"/>
+          </a:ln>
+        </p:spPr>
+        <p:style>
+          <a:lnRef idx="0">
+            <a:scrgbClr r="0" g="0" b="0"/>
+          </a:lnRef>
+          <a:fillRef idx="0">
+            <a:scrgbClr r="0" g="0" b="0"/>
+          </a:fillRef>
+          <a:effectRef idx="0">
+            <a:scrgbClr r="0" g="0" b="0"/>
+          </a:effectRef>
+          <a:fontRef idx="minor">
+            <a:schemeClr val="dk1"/>
+          </a:fontRef>
+        </p:style>
+        <p:txBody>
+          <a:bodyPr rtlCol="0" anchor="ctr"/>
+          <a:lstStyle/>
+          <a:p>
+            <a:pPr algn="ctr"/>
+            <a:r>
+              <a:rPr kumimoji="1" lang="en-US" altLang="ja-JP" sz="1000" dirty="0"/>
+              <a:t>\n\n</a:t>
+            </a:r>
+            <a:endParaRPr kumimoji="1" lang="ja-JP" altLang="en-US" sz="1000" dirty="0"/>
+          </a:p>
+        </p:txBody>
+      </p:sp>
+      <p:sp>
+        <p:nvSpPr>
+          <p:cNvPr id="36" name="フローチャート: 準備 35">
+            <a:extLst>
+              <a:ext uri="{FF2B5EF4-FFF2-40B4-BE49-F238E27FC236}">
+                <a16:creationId xmlns:a16="http://schemas.microsoft.com/office/drawing/2014/main" id="{F45C31A7-6A70-C71C-E240-8E1955FFAB58}"/>
+              </a:ext>
+            </a:extLst>
+          </p:cNvPr>
+          <p:cNvSpPr/>
+          <p:nvPr/>
+        </p:nvSpPr>
+        <p:spPr>
+          <a:xfrm>
+            <a:off x="10024153" y="1003020"/>
+            <a:ext cx="1688453" cy="668517"/>
+          </a:xfrm>
+          <a:prstGeom prst="flowChartPreparation">
+            <a:avLst/>
+          </a:prstGeom>
+          <a:noFill/>
+          <a:ln w="9525" cap="flat" cmpd="sng" algn="ctr">
+            <a:solidFill>
+              <a:schemeClr val="dk1"/>
+            </a:solidFill>
+            <a:prstDash val="solid"/>
+            <a:round/>
+            <a:headEnd type="none" w="med" len="med"/>
+            <a:tailEnd type="none" w="med" len="med"/>
+          </a:ln>
+        </p:spPr>
+        <p:style>
+          <a:lnRef idx="0">
+            <a:scrgbClr r="0" g="0" b="0"/>
+          </a:lnRef>
+          <a:fillRef idx="0">
+            <a:scrgbClr r="0" g="0" b="0"/>
+          </a:fillRef>
+          <a:effectRef idx="0">
+            <a:scrgbClr r="0" g="0" b="0"/>
+          </a:effectRef>
+          <a:fontRef idx="minor">
+            <a:schemeClr val="dk1"/>
+          </a:fontRef>
+        </p:style>
+        <p:txBody>
+          <a:bodyPr rtlCol="0" anchor="ctr"/>
+          <a:lstStyle/>
+          <a:p>
+            <a:pPr algn="ctr"/>
+            <a:r>
+              <a:rPr kumimoji="1" lang="en-US" altLang="ja-JP" sz="1200" dirty="0" err="1"/>
+              <a:t>i</a:t>
+            </a:r>
+            <a:r>
+              <a:rPr kumimoji="1" lang="en-US" altLang="ja-JP" sz="1200" dirty="0"/>
+              <a:t> = 0</a:t>
+            </a:r>
+            <a:endParaRPr kumimoji="1" lang="ja-JP" altLang="en-US" sz="1200" dirty="0"/>
+          </a:p>
+        </p:txBody>
+      </p:sp>
+      <p:sp>
+        <p:nvSpPr>
+          <p:cNvPr id="38" name="フローチャート: 判断 37">
+            <a:extLst>
+              <a:ext uri="{FF2B5EF4-FFF2-40B4-BE49-F238E27FC236}">
+                <a16:creationId xmlns:a16="http://schemas.microsoft.com/office/drawing/2014/main" id="{60F3240A-B648-D765-1F7F-2871588752EA}"/>
+              </a:ext>
+            </a:extLst>
+          </p:cNvPr>
+          <p:cNvSpPr/>
+          <p:nvPr/>
+        </p:nvSpPr>
+        <p:spPr>
+          <a:xfrm>
+            <a:off x="10024152" y="1891728"/>
+            <a:ext cx="1688453" cy="668518"/>
+          </a:xfrm>
+          <a:prstGeom prst="flowChartDecision">
+            <a:avLst/>
+          </a:prstGeom>
+          <a:noFill/>
+          <a:ln w="9525" cap="flat" cmpd="sng" algn="ctr">
+            <a:solidFill>
+              <a:schemeClr val="dk1"/>
+            </a:solidFill>
+            <a:prstDash val="solid"/>
+            <a:round/>
+            <a:headEnd type="none" w="med" len="med"/>
+            <a:tailEnd type="none" w="med" len="med"/>
+          </a:ln>
+        </p:spPr>
+        <p:style>
+          <a:lnRef idx="0">
+            <a:scrgbClr r="0" g="0" b="0"/>
+          </a:lnRef>
+          <a:fillRef idx="0">
+            <a:scrgbClr r="0" g="0" b="0"/>
+          </a:fillRef>
+          <a:effectRef idx="0">
+            <a:scrgbClr r="0" g="0" b="0"/>
+          </a:effectRef>
+          <a:fontRef idx="minor">
+            <a:schemeClr val="dk1"/>
+          </a:fontRef>
+        </p:style>
+        <p:txBody>
+          <a:bodyPr rtlCol="0" anchor="ctr"/>
+          <a:lstStyle/>
+          <a:p>
+            <a:pPr algn="ctr"/>
+            <a:r>
+              <a:rPr kumimoji="1" lang="en-US" altLang="ja-JP" sz="1100" dirty="0" err="1"/>
+              <a:t>i</a:t>
+            </a:r>
+            <a:r>
+              <a:rPr kumimoji="1" lang="ja-JP" altLang="en-US" sz="1100" dirty="0"/>
+              <a:t>が</a:t>
+            </a:r>
+            <a:r>
+              <a:rPr kumimoji="1" lang="en-US" altLang="ja-JP" sz="1100" dirty="0" err="1"/>
+              <a:t>charCnt</a:t>
+            </a:r>
+            <a:r>
+              <a:rPr kumimoji="1" lang="ja-JP" altLang="en-US" sz="1100" dirty="0"/>
+              <a:t>より小さい</a:t>
+            </a:r>
+          </a:p>
+        </p:txBody>
+      </p:sp>
+      <p:sp>
+        <p:nvSpPr>
+          <p:cNvPr id="40" name="フローチャート: 処理 39">
+            <a:extLst>
+              <a:ext uri="{FF2B5EF4-FFF2-40B4-BE49-F238E27FC236}">
+                <a16:creationId xmlns:a16="http://schemas.microsoft.com/office/drawing/2014/main" id="{15E72B1E-574A-257C-A918-09D0D95282F1}"/>
+              </a:ext>
+            </a:extLst>
+          </p:cNvPr>
+          <p:cNvSpPr/>
+          <p:nvPr/>
+        </p:nvSpPr>
+        <p:spPr>
+          <a:xfrm>
+            <a:off x="5449644" y="5317371"/>
+            <a:ext cx="1688454" cy="668518"/>
+          </a:xfrm>
+          <a:prstGeom prst="flowChartProcess">
+            <a:avLst/>
+          </a:prstGeom>
+          <a:noFill/>
+          <a:ln w="9525" cap="flat" cmpd="sng" algn="ctr">
+            <a:solidFill>
+              <a:schemeClr val="dk1"/>
+            </a:solidFill>
+            <a:prstDash val="solid"/>
+            <a:round/>
+            <a:headEnd type="none" w="med" len="med"/>
+            <a:tailEnd type="none" w="med" len="med"/>
+          </a:ln>
+        </p:spPr>
+        <p:style>
+          <a:lnRef idx="0">
+            <a:scrgbClr r="0" g="0" b="0"/>
+          </a:lnRef>
+          <a:fillRef idx="0">
+            <a:scrgbClr r="0" g="0" b="0"/>
+          </a:fillRef>
+          <a:effectRef idx="0">
+            <a:scrgbClr r="0" g="0" b="0"/>
+          </a:effectRef>
+          <a:fontRef idx="minor">
+            <a:schemeClr val="dk1"/>
+          </a:fontRef>
+        </p:style>
+        <p:txBody>
+          <a:bodyPr rtlCol="0" anchor="ctr"/>
+          <a:lstStyle/>
+          <a:p>
+            <a:pPr algn="ctr"/>
+            <a:r>
+              <a:rPr lang="en-US" altLang="ja-JP" sz="1400" dirty="0" err="1"/>
+              <a:t>i</a:t>
+            </a:r>
+            <a:r>
+              <a:rPr lang="en-US" altLang="ja-JP" sz="1400" dirty="0"/>
+              <a:t>++</a:t>
+            </a:r>
+            <a:endParaRPr kumimoji="1" lang="ja-JP" altLang="en-US" sz="1400" dirty="0"/>
           </a:p>
         </p:txBody>
       </p:sp>
